--- a/slides/BelajarPython_04_Tebak_Angka.pptx
+++ b/slides/BelajarPython_04_Tebak_Angka.pptx
@@ -6350,7 +6350,7 @@
             <a:fld id="{B61BEF0D-F0BB-DE4B-95CE-6DB70DBA9567}" type="datetimeFigureOut">
               <a:rPr lang="en-US" dirty="0"/>
               <a:pPr/>
-              <a:t>8/26/2023</a:t>
+              <a:t>9/21/2023</a:t>
             </a:fld>
             <a:endParaRPr lang="en-US" dirty="0"/>
           </a:p>
@@ -6638,7 +6638,7 @@
             <a:fld id="{B61BEF0D-F0BB-DE4B-95CE-6DB70DBA9567}" type="datetimeFigureOut">
               <a:rPr lang="en-US" dirty="0"/>
               <a:pPr/>
-              <a:t>8/26/2023</a:t>
+              <a:t>9/21/2023</a:t>
             </a:fld>
             <a:endParaRPr lang="en-US" dirty="0"/>
           </a:p>
@@ -6898,7 +6898,7 @@
             <a:fld id="{B61BEF0D-F0BB-DE4B-95CE-6DB70DBA9567}" type="datetimeFigureOut">
               <a:rPr lang="en-US" dirty="0"/>
               <a:pPr/>
-              <a:t>8/26/2023</a:t>
+              <a:t>9/21/2023</a:t>
             </a:fld>
             <a:endParaRPr lang="en-US" dirty="0"/>
           </a:p>
@@ -7368,7 +7368,7 @@
             <a:fld id="{B61BEF0D-F0BB-DE4B-95CE-6DB70DBA9567}" type="datetimeFigureOut">
               <a:rPr lang="en-US" dirty="0"/>
               <a:pPr/>
-              <a:t>8/26/2023</a:t>
+              <a:t>9/21/2023</a:t>
             </a:fld>
             <a:endParaRPr lang="en-US" dirty="0"/>
           </a:p>
@@ -7549,7 +7549,7 @@
             <a:fld id="{B61BEF0D-F0BB-DE4B-95CE-6DB70DBA9567}" type="datetimeFigureOut">
               <a:rPr lang="en-US" dirty="0"/>
               <a:pPr/>
-              <a:t>8/26/2023</a:t>
+              <a:t>9/21/2023</a:t>
             </a:fld>
             <a:endParaRPr lang="en-US" dirty="0"/>
           </a:p>
@@ -8126,7 +8126,7 @@
             <a:fld id="{B61BEF0D-F0BB-DE4B-95CE-6DB70DBA9567}" type="datetimeFigureOut">
               <a:rPr lang="en-US" dirty="0"/>
               <a:pPr/>
-              <a:t>8/26/2023</a:t>
+              <a:t>9/21/2023</a:t>
             </a:fld>
             <a:endParaRPr lang="en-US" dirty="0"/>
           </a:p>
@@ -8459,7 +8459,7 @@
             <a:fld id="{B61BEF0D-F0BB-DE4B-95CE-6DB70DBA9567}" type="datetimeFigureOut">
               <a:rPr lang="en-US" dirty="0"/>
               <a:pPr/>
-              <a:t>8/26/2023</a:t>
+              <a:t>9/21/2023</a:t>
             </a:fld>
             <a:endParaRPr lang="en-US" dirty="0"/>
           </a:p>
@@ -8634,7 +8634,7 @@
             <a:fld id="{B61BEF0D-F0BB-DE4B-95CE-6DB70DBA9567}" type="datetimeFigureOut">
               <a:rPr lang="en-US" dirty="0"/>
               <a:pPr/>
-              <a:t>8/26/2023</a:t>
+              <a:t>9/21/2023</a:t>
             </a:fld>
             <a:endParaRPr lang="en-US" dirty="0"/>
           </a:p>
@@ -8814,7 +8814,7 @@
             <a:fld id="{B61BEF0D-F0BB-DE4B-95CE-6DB70DBA9567}" type="datetimeFigureOut">
               <a:rPr lang="en-US" dirty="0"/>
               <a:pPr/>
-              <a:t>8/26/2023</a:t>
+              <a:t>9/21/2023</a:t>
             </a:fld>
             <a:endParaRPr lang="en-US" dirty="0"/>
           </a:p>
@@ -8984,7 +8984,7 @@
             <a:fld id="{B61BEF0D-F0BB-DE4B-95CE-6DB70DBA9567}" type="datetimeFigureOut">
               <a:rPr lang="en-US" dirty="0"/>
               <a:pPr/>
-              <a:t>8/26/2023</a:t>
+              <a:t>9/21/2023</a:t>
             </a:fld>
             <a:endParaRPr lang="en-US" dirty="0"/>
           </a:p>
@@ -9242,7 +9242,7 @@
             <a:fld id="{B61BEF0D-F0BB-DE4B-95CE-6DB70DBA9567}" type="datetimeFigureOut">
               <a:rPr lang="en-US" dirty="0"/>
               <a:pPr/>
-              <a:t>8/26/2023</a:t>
+              <a:t>9/21/2023</a:t>
             </a:fld>
             <a:endParaRPr lang="en-US" dirty="0"/>
           </a:p>
@@ -9533,7 +9533,7 @@
             <a:fld id="{B61BEF0D-F0BB-DE4B-95CE-6DB70DBA9567}" type="datetimeFigureOut">
               <a:rPr lang="en-US" dirty="0"/>
               <a:pPr/>
-              <a:t>8/26/2023</a:t>
+              <a:t>9/21/2023</a:t>
             </a:fld>
             <a:endParaRPr lang="en-US" dirty="0"/>
           </a:p>
@@ -9962,7 +9962,7 @@
             <a:fld id="{B61BEF0D-F0BB-DE4B-95CE-6DB70DBA9567}" type="datetimeFigureOut">
               <a:rPr lang="en-US" dirty="0"/>
               <a:pPr/>
-              <a:t>8/26/2023</a:t>
+              <a:t>9/21/2023</a:t>
             </a:fld>
             <a:endParaRPr lang="en-US" dirty="0"/>
           </a:p>
@@ -10081,7 +10081,7 @@
             <a:fld id="{B61BEF0D-F0BB-DE4B-95CE-6DB70DBA9567}" type="datetimeFigureOut">
               <a:rPr lang="en-US" dirty="0"/>
               <a:pPr/>
-              <a:t>8/26/2023</a:t>
+              <a:t>9/21/2023</a:t>
             </a:fld>
             <a:endParaRPr lang="en-US" dirty="0"/>
           </a:p>
@@ -10178,7 +10178,7 @@
             <a:fld id="{B61BEF0D-F0BB-DE4B-95CE-6DB70DBA9567}" type="datetimeFigureOut">
               <a:rPr lang="en-US" dirty="0"/>
               <a:pPr/>
-              <a:t>8/26/2023</a:t>
+              <a:t>9/21/2023</a:t>
             </a:fld>
             <a:endParaRPr lang="en-US" dirty="0"/>
           </a:p>
@@ -10461,7 +10461,7 @@
             <a:fld id="{B61BEF0D-F0BB-DE4B-95CE-6DB70DBA9567}" type="datetimeFigureOut">
               <a:rPr lang="en-US" dirty="0"/>
               <a:pPr/>
-              <a:t>8/26/2023</a:t>
+              <a:t>9/21/2023</a:t>
             </a:fld>
             <a:endParaRPr lang="en-US" dirty="0"/>
           </a:p>
@@ -10749,7 +10749,7 @@
             <a:fld id="{B61BEF0D-F0BB-DE4B-95CE-6DB70DBA9567}" type="datetimeFigureOut">
               <a:rPr lang="en-US" dirty="0"/>
               <a:pPr/>
-              <a:t>8/26/2023</a:t>
+              <a:t>9/21/2023</a:t>
             </a:fld>
             <a:endParaRPr lang="en-US" dirty="0"/>
           </a:p>
@@ -11008,7 +11008,7 @@
             <a:fld id="{B61BEF0D-F0BB-DE4B-95CE-6DB70DBA9567}" type="datetimeFigureOut">
               <a:rPr lang="en-US" dirty="0"/>
               <a:pPr/>
-              <a:t>8/26/2023</a:t>
+              <a:t>9/21/2023</a:t>
             </a:fld>
             <a:endParaRPr lang="en-US" dirty="0"/>
           </a:p>
@@ -12019,6 +12019,29 @@
 <file path=ppt/slides/slide3.xml><?xml version="1.0" encoding="utf-8"?>
 <p:sld xmlns:a="http://schemas.openxmlformats.org/drawingml/2006/main" xmlns:r="http://schemas.openxmlformats.org/officeDocument/2006/relationships" xmlns:p="http://schemas.openxmlformats.org/presentationml/2006/main">
   <p:cSld>
+    <p:bg>
+      <p:bgPr>
+        <a:blipFill rotWithShape="1">
+          <a:blip r:embed="rId2">
+            <a:duotone>
+              <a:schemeClr val="bg2">
+                <a:shade val="28000"/>
+                <a:satMod val="94000"/>
+                <a:lumMod val="20000"/>
+              </a:schemeClr>
+              <a:schemeClr val="bg2">
+                <a:tint val="94000"/>
+                <a:shade val="84000"/>
+                <a:satMod val="148000"/>
+                <a:lumMod val="114000"/>
+              </a:schemeClr>
+            </a:duotone>
+          </a:blip>
+          <a:stretch/>
+        </a:blipFill>
+        <a:effectLst/>
+      </p:bgPr>
+    </p:bg>
     <p:spTree>
       <p:nvGrpSpPr>
         <p:cNvPr id="1" name=""/>
@@ -12049,16 +12072,22 @@
             <p:ph type="title"/>
           </p:nvPr>
         </p:nvSpPr>
-        <p:spPr/>
+        <p:spPr>
+          <a:xfrm>
+            <a:off x="643192" y="609600"/>
+            <a:ext cx="3643674" cy="1905000"/>
+          </a:xfrm>
+        </p:spPr>
         <p:txBody>
-          <a:bodyPr/>
+          <a:bodyPr vert="horz" lIns="91440" tIns="45720" rIns="91440" bIns="45720" rtlCol="0" anchor="ctr">
+            <a:normAutofit/>
+          </a:bodyPr>
           <a:lstStyle/>
           <a:p>
             <a:r>
-              <a:rPr lang="en-US" dirty="0" err="1"/>
+              <a:rPr lang="en-US" sz="2800"/>
               <a:t>Persiapan</a:t>
             </a:r>
-            <a:endParaRPr lang="en-MY" dirty="0"/>
           </a:p>
         </p:txBody>
       </p:sp>
@@ -12080,145 +12109,111 @@
         </p:nvSpPr>
         <p:spPr>
           <a:xfrm>
-            <a:off x="838200" y="1825625"/>
-            <a:ext cx="4260574" cy="4351338"/>
+            <a:off x="643192" y="2666999"/>
+            <a:ext cx="3643674" cy="3216276"/>
           </a:xfrm>
         </p:spPr>
         <p:txBody>
-          <a:bodyPr/>
+          <a:bodyPr vert="horz" lIns="91440" tIns="45720" rIns="91440" bIns="45720" rtlCol="0" anchor="t">
+            <a:normAutofit/>
+          </a:bodyPr>
           <a:lstStyle/>
           <a:p>
-            <a:r>
-              <a:rPr lang="en-US" dirty="0" err="1"/>
-              <a:t>Membuat</a:t>
-            </a:r>
-            <a:r>
-              <a:rPr lang="en-US" dirty="0"/>
-              <a:t> </a:t>
-            </a:r>
-            <a:r>
-              <a:rPr lang="en-US" dirty="0" err="1"/>
-              <a:t>lingkungan</a:t>
-            </a:r>
-            <a:r>
-              <a:rPr lang="en-US" dirty="0"/>
-              <a:t> virtual</a:t>
-            </a:r>
-            <a:r>
-              <a:rPr lang="en-MY" dirty="0"/>
-              <a:t> </a:t>
-            </a:r>
-            <a:r>
-              <a:rPr lang="en-MY" dirty="0" err="1"/>
-              <a:t>untuk</a:t>
-            </a:r>
-            <a:r>
-              <a:rPr lang="en-MY" dirty="0"/>
-              <a:t> </a:t>
-            </a:r>
-            <a:r>
-              <a:rPr lang="en-MY" dirty="0" err="1"/>
-              <a:t>projek</a:t>
-            </a:r>
-            <a:r>
-              <a:rPr lang="en-MY" dirty="0"/>
-              <a:t>: </a:t>
+            <a:pPr>
+              <a:lnSpc>
+                <a:spcPct val="90000"/>
+              </a:lnSpc>
+            </a:pPr>
+            <a:r>
+              <a:rPr lang="en-US" sz="1500"/>
+              <a:t>Membuat lingkungan virtual untuk projek: </a:t>
             </a:r>
           </a:p>
           <a:p>
             <a:pPr marL="457200" lvl="1" indent="0">
-              <a:buNone/>
+              <a:lnSpc>
+                <a:spcPct val="90000"/>
+              </a:lnSpc>
             </a:pPr>
             <a:r>
-              <a:rPr lang="en-MY" i="1" dirty="0"/>
-              <a:t>python –m </a:t>
-            </a:r>
-            <a:r>
-              <a:rPr lang="en-MY" i="1" dirty="0" err="1"/>
-              <a:t>venv</a:t>
-            </a:r>
-            <a:r>
-              <a:rPr lang="en-MY" i="1" dirty="0"/>
-              <a:t> </a:t>
-            </a:r>
-            <a:r>
-              <a:rPr lang="en-MY" i="1" dirty="0" err="1"/>
-              <a:t>tebak_angka</a:t>
-            </a:r>
-            <a:endParaRPr lang="en-MY" i="1" dirty="0"/>
-          </a:p>
-          <a:p>
-            <a:r>
-              <a:rPr lang="en-MY" dirty="0"/>
-              <a:t>Activate </a:t>
-            </a:r>
-            <a:r>
-              <a:rPr lang="en-MY" dirty="0" err="1"/>
-              <a:t>lingkungan</a:t>
-            </a:r>
-            <a:r>
-              <a:rPr lang="en-MY" dirty="0"/>
-              <a:t> virtual:</a:t>
+              <a:rPr lang="en-US" sz="1500" i="1"/>
+              <a:t>Mkdir tebak angka</a:t>
             </a:r>
           </a:p>
           <a:p>
             <a:pPr marL="457200" lvl="1" indent="0">
-              <a:buNone/>
+              <a:lnSpc>
+                <a:spcPct val="90000"/>
+              </a:lnSpc>
             </a:pPr>
             <a:r>
-              <a:rPr lang="en-US" i="1" dirty="0"/>
-              <a:t>cd </a:t>
-            </a:r>
-            <a:r>
-              <a:rPr lang="en-US" i="1" dirty="0" err="1"/>
-              <a:t>tebak_angka</a:t>
-            </a:r>
-            <a:endParaRPr lang="en-US" i="1" dirty="0"/>
+              <a:rPr lang="en-US" sz="1500" i="1"/>
+              <a:t>Cd Tebak Angka</a:t>
+            </a:r>
           </a:p>
           <a:p>
             <a:pPr marL="457200" lvl="1" indent="0">
-              <a:buNone/>
+              <a:lnSpc>
+                <a:spcPct val="90000"/>
+              </a:lnSpc>
             </a:pPr>
             <a:r>
-              <a:rPr lang="en-US" i="1" dirty="0"/>
-              <a:t>Scripts\activate</a:t>
-            </a:r>
-          </a:p>
-          <a:p>
-            <a:r>
-              <a:rPr lang="en-US" dirty="0" err="1"/>
-              <a:t>Jalankan</a:t>
-            </a:r>
-            <a:r>
-              <a:rPr lang="en-US" dirty="0"/>
-              <a:t> VS Code </a:t>
-            </a:r>
-            <a:r>
-              <a:rPr lang="en-US" dirty="0" err="1"/>
-              <a:t>dari</a:t>
-            </a:r>
-            <a:r>
-              <a:rPr lang="en-US" dirty="0"/>
-              <a:t> </a:t>
-            </a:r>
-            <a:r>
-              <a:rPr lang="en-US" dirty="0" err="1"/>
-              <a:t>lingkungan</a:t>
-            </a:r>
-            <a:r>
-              <a:rPr lang="en-US" dirty="0"/>
-              <a:t> virtual</a:t>
-            </a:r>
-            <a:endParaRPr lang="en-MY" dirty="0"/>
+              <a:rPr lang="en-US" sz="1500" i="1"/>
+              <a:t>Python –m venv .venv</a:t>
+            </a:r>
+          </a:p>
+          <a:p>
+            <a:pPr>
+              <a:lnSpc>
+                <a:spcPct val="90000"/>
+              </a:lnSpc>
+            </a:pPr>
+            <a:r>
+              <a:rPr lang="en-US" sz="1500"/>
+              <a:t>Activate lingkungan virtual:</a:t>
+            </a:r>
+          </a:p>
+          <a:p>
+            <a:pPr marL="457200" lvl="1" indent="0">
+              <a:lnSpc>
+                <a:spcPct val="90000"/>
+              </a:lnSpc>
+            </a:pPr>
+            <a:r>
+              <a:rPr lang="en-US" sz="1500" i="1"/>
+              <a:t>.venv\Scripts\activate</a:t>
+            </a:r>
+          </a:p>
+          <a:p>
+            <a:pPr>
+              <a:lnSpc>
+                <a:spcPct val="90000"/>
+              </a:lnSpc>
+            </a:pPr>
+            <a:r>
+              <a:rPr lang="en-US" sz="1500"/>
+              <a:t>Jalankan VS Code dari lingkungan virtual</a:t>
+            </a:r>
+          </a:p>
+          <a:p>
+            <a:pPr marL="0" indent="0">
+              <a:lnSpc>
+                <a:spcPct val="90000"/>
+              </a:lnSpc>
+            </a:pPr>
+            <a:r>
+              <a:rPr lang="en-US" sz="1500"/>
+              <a:t>	code .</a:t>
+            </a:r>
           </a:p>
         </p:txBody>
       </p:sp>
       <p:pic>
         <p:nvPicPr>
-          <p:cNvPr id="6" name="Picture 5">
+          <p:cNvPr id="5" name="Picture 4">
             <a:extLst>
               <a:ext uri="{FF2B5EF4-FFF2-40B4-BE49-F238E27FC236}">
-                <a16:creationId xmlns:a16="http://schemas.microsoft.com/office/drawing/2014/main" id="{840027D4-530F-E68A-1A83-3DD84F069819}"/>
+                <a16:creationId xmlns:a16="http://schemas.microsoft.com/office/drawing/2014/main" id="{965F9062-1044-A26E-8168-27254AF10CB6}"/>
               </a:ext>
             </a:extLst>
           </p:cNvPr>
@@ -12228,19 +12223,44 @@
           <p:nvPr/>
         </p:nvPicPr>
         <p:blipFill>
-          <a:blip r:embed="rId2"/>
+          <a:blip r:embed="rId3"/>
           <a:stretch>
             <a:fillRect/>
           </a:stretch>
         </p:blipFill>
         <p:spPr>
           <a:xfrm>
-            <a:off x="5217155" y="1825625"/>
-            <a:ext cx="6537523" cy="3501749"/>
+            <a:off x="4630994" y="2542734"/>
+            <a:ext cx="6916633" cy="1452491"/>
           </a:xfrm>
-          <a:prstGeom prst="rect">
-            <a:avLst/>
+          <a:prstGeom prst="roundRect">
+            <a:avLst>
+              <a:gd name="adj" fmla="val 3517"/>
+            </a:avLst>
           </a:prstGeom>
+          <a:ln w="38100">
+            <a:gradFill flip="none" rotWithShape="1">
+              <a:gsLst>
+                <a:gs pos="0">
+                  <a:srgbClr val="363D46"/>
+                </a:gs>
+                <a:gs pos="100000">
+                  <a:srgbClr val="363D46">
+                    <a:lumMod val="75000"/>
+                  </a:srgbClr>
+                </a:gs>
+              </a:gsLst>
+              <a:lin ang="5400000" scaled="0"/>
+              <a:tileRect/>
+            </a:gradFill>
+          </a:ln>
+          <a:effectLst>
+            <a:innerShdw blurRad="57150" dist="38100" dir="14460000">
+              <a:srgbClr val="000000">
+                <a:alpha val="70000"/>
+              </a:srgbClr>
+            </a:innerShdw>
+          </a:effectLst>
         </p:spPr>
       </p:pic>
     </p:spTree>
